--- a/howtoreview/howtosurvey.pptx
+++ b/howtoreview/howtosurvey.pptx
@@ -223,7 +223,7 @@
           </a:lstStyle>
           <a:p>
             <a:fld id="{6B8D1B20-A248-FB47-8240-73C0C5F47C9D}" type="datetimeFigureOut">
-              <a:t>2022/2/7</a:t>
+              <a:t>2023/2/16</a:t>
             </a:fld>
             <a:endParaRPr kumimoji="1" lang="ja-JP" altLang="en-US"/>
           </a:p>
@@ -1280,8 +1280,8 @@
           <a:lstStyle/>
           <a:p>
             <a:r>
-              <a:rPr kumimoji="1" lang="en-US" altLang="ja-JP" sz="4000"/>
-              <a:t>2022/02/07</a:t>
+              <a:rPr kumimoji="1" lang="en-US" altLang="ja-JP" sz="4000" dirty="0"/>
+              <a:t>2023/02/16</a:t>
             </a:r>
             <a:endParaRPr kumimoji="1" lang="ja-JP" altLang="en-US" sz="4000" dirty="0"/>
           </a:p>
@@ -2264,8 +2264,8 @@
         </p:nvSpPr>
         <p:spPr>
           <a:xfrm>
-            <a:off x="1391274" y="2309123"/>
-            <a:ext cx="6480720" cy="369332"/>
+            <a:off x="395536" y="2309123"/>
+            <a:ext cx="7476458" cy="369332"/>
           </a:xfrm>
           <a:prstGeom prst="rect">
             <a:avLst/>
@@ -2279,7 +2279,31 @@
           <a:p>
             <a:r>
               <a:rPr lang="ja-JP" altLang="en-US" dirty="0"/>
-              <a:t>K. Shiina, H. Mori, Y. Okabe, and H.-K. Lee, Sci Rep 10, 2177 (2020)</a:t>
+              <a:t>K. Shiina, H. Mori, Y. Okabe, and H.-K. Lee, Sci</a:t>
+            </a:r>
+            <a:r>
+              <a:rPr lang="en-US" altLang="ja-JP" dirty="0"/>
+              <a:t>.</a:t>
+            </a:r>
+            <a:r>
+              <a:rPr lang="ja-JP" altLang="en-US" dirty="0"/>
+              <a:t> Rep</a:t>
+            </a:r>
+            <a:r>
+              <a:rPr lang="en-US" altLang="ja-JP" dirty="0"/>
+              <a:t>.</a:t>
+            </a:r>
+            <a:r>
+              <a:rPr lang="ja-JP" altLang="en-US" dirty="0"/>
+              <a:t> </a:t>
+            </a:r>
+            <a:r>
+              <a:rPr lang="ja-JP" altLang="en-US" b="1" dirty="0"/>
+              <a:t>10</a:t>
+            </a:r>
+            <a:r>
+              <a:rPr lang="ja-JP" altLang="en-US" dirty="0"/>
+              <a:t>, 2177 (2020)</a:t>
             </a:r>
           </a:p>
         </p:txBody>
@@ -2866,34 +2890,6 @@
             <a:r>
               <a:rPr lang="ja-JP" altLang="en-US" dirty="0"/>
               <a:t>.</a:t>
-            </a:r>
-          </a:p>
-        </p:txBody>
-      </p:sp>
-      <p:sp>
-        <p:nvSpPr>
-          <p:cNvPr id="7" name="正方形/長方形 6"/>
-          <p:cNvSpPr/>
-          <p:nvPr/>
-        </p:nvSpPr>
-        <p:spPr>
-          <a:xfrm>
-            <a:off x="2339752" y="6237312"/>
-            <a:ext cx="6480720" cy="369332"/>
-          </a:xfrm>
-          <a:prstGeom prst="rect">
-            <a:avLst/>
-          </a:prstGeom>
-        </p:spPr>
-        <p:txBody>
-          <a:bodyPr wrap="square">
-            <a:spAutoFit/>
-          </a:bodyPr>
-          <a:lstStyle/>
-          <a:p>
-            <a:r>
-              <a:rPr lang="ja-JP" altLang="en-US" dirty="0"/>
-              <a:t>K. Shiina, H. Mori, Y. Okabe, and H.-K. Lee, Sci Rep 10, 2177 (2020)</a:t>
             </a:r>
           </a:p>
         </p:txBody>
@@ -12223,80 +12219,16 @@
         <a:srgbClr val="738F97"/>
       </a:folHlink>
     </a:clrScheme>
-    <a:fontScheme name="パーセル">
+    <a:fontScheme name="講義用">
       <a:majorFont>
-        <a:latin typeface="Gill Sans MT" panose="020B0502020104020203"/>
-        <a:ea typeface=""/>
+        <a:latin typeface="Arial"/>
+        <a:ea typeface="HGｺﾞｼｯｸE"/>
         <a:cs typeface=""/>
-        <a:font script="Grek" typeface="Corbel"/>
-        <a:font script="Cyrl" typeface="Corbel"/>
-        <a:font script="Jpan" typeface="HGｺﾞｼｯｸE"/>
-        <a:font script="Hang" typeface="휴먼매직체"/>
-        <a:font script="Hans" typeface="华文中宋"/>
-        <a:font script="Hant" typeface="微軟正黑體"/>
-        <a:font script="Arab" typeface="Majalla UI"/>
-        <a:font script="Hebr" typeface="Arial"/>
-        <a:font script="Thai" typeface="Cordia New"/>
-        <a:font script="Ethi" typeface="Nyala"/>
-        <a:font script="Beng" typeface="Vrinda"/>
-        <a:font script="Gujr" typeface="Shruti"/>
-        <a:font script="Khmr" typeface="DaunPenh"/>
-        <a:font script="Knda" typeface="Tunga"/>
-        <a:font script="Guru" typeface="Raavi"/>
-        <a:font script="Cans" typeface="Euphemia"/>
-        <a:font script="Cher" typeface="Plantagenet Cherokee"/>
-        <a:font script="Yiii" typeface="Microsoft Yi Baiti"/>
-        <a:font script="Tibt" typeface="Microsoft Himalaya"/>
-        <a:font script="Thaa" typeface="MV Boli"/>
-        <a:font script="Deva" typeface="Mangal"/>
-        <a:font script="Telu" typeface="Gautami"/>
-        <a:font script="Taml" typeface="Latha"/>
-        <a:font script="Syrc" typeface="Estrangelo Edessa"/>
-        <a:font script="Orya" typeface="Kalinga"/>
-        <a:font script="Mlym" typeface="Kartika"/>
-        <a:font script="Laoo" typeface="DokChampa"/>
-        <a:font script="Sinh" typeface="Iskoola Pota"/>
-        <a:font script="Mong" typeface="Mongolian Baiti"/>
-        <a:font script="Viet" typeface="Tahoma"/>
-        <a:font script="Uigh" typeface="Microsoft Uighur"/>
-        <a:font script="Geor" typeface="Sylfaen"/>
       </a:majorFont>
       <a:minorFont>
-        <a:latin typeface="Gill Sans MT" panose="020B0502020104020203"/>
-        <a:ea typeface=""/>
+        <a:latin typeface="Arial"/>
+        <a:ea typeface="HGｺﾞｼｯｸE"/>
         <a:cs typeface=""/>
-        <a:font script="Grek" typeface="Corbel"/>
-        <a:font script="Cyrl" typeface="Corbel"/>
-        <a:font script="Jpan" typeface="HGｺﾞｼｯｸE"/>
-        <a:font script="Hang" typeface="휴먼매직체"/>
-        <a:font script="Hans" typeface="华文中宋"/>
-        <a:font script="Hant" typeface="微軟正黑體"/>
-        <a:font script="Arab" typeface="Majalla UI"/>
-        <a:font script="Hebr" typeface="Arial"/>
-        <a:font script="Thai" typeface="Cordia New"/>
-        <a:font script="Ethi" typeface="Nyala"/>
-        <a:font script="Beng" typeface="Vrinda"/>
-        <a:font script="Gujr" typeface="Shruti"/>
-        <a:font script="Khmr" typeface="DaunPenh"/>
-        <a:font script="Knda" typeface="Tunga"/>
-        <a:font script="Guru" typeface="Raavi"/>
-        <a:font script="Cans" typeface="Euphemia"/>
-        <a:font script="Cher" typeface="Plantagenet Cherokee"/>
-        <a:font script="Yiii" typeface="Microsoft Yi Baiti"/>
-        <a:font script="Tibt" typeface="Microsoft Himalaya"/>
-        <a:font script="Thaa" typeface="MV Boli"/>
-        <a:font script="Deva" typeface="Mangal"/>
-        <a:font script="Telu" typeface="Gautami"/>
-        <a:font script="Taml" typeface="Latha"/>
-        <a:font script="Syrc" typeface="Estrangelo Edessa"/>
-        <a:font script="Orya" typeface="Kalinga"/>
-        <a:font script="Mlym" typeface="Kartika"/>
-        <a:font script="Laoo" typeface="DokChampa"/>
-        <a:font script="Sinh" typeface="Iskoola Pota"/>
-        <a:font script="Mong" typeface="Mongolian Baiti"/>
-        <a:font script="Viet" typeface="Tahoma"/>
-        <a:font script="Uigh" typeface="Microsoft Uighur"/>
-        <a:font script="Geor" typeface="Sylfaen"/>
       </a:minorFont>
     </a:fontScheme>
     <a:fmtScheme name="パーセル">

--- a/howtoreview/howtosurvey.pptx
+++ b/howtoreview/howtosurvey.pptx
@@ -223,7 +223,7 @@
           </a:lstStyle>
           <a:p>
             <a:fld id="{6B8D1B20-A248-FB47-8240-73C0C5F47C9D}" type="datetimeFigureOut">
-              <a:t>2023/2/16</a:t>
+              <a:t>2024/3/7</a:t>
             </a:fld>
             <a:endParaRPr kumimoji="1" lang="ja-JP" altLang="en-US"/>
           </a:p>
@@ -1266,7 +1266,7 @@
         <p:spPr>
           <a:xfrm>
             <a:off x="3271520" y="4338320"/>
-            <a:ext cx="2525050" cy="707886"/>
+            <a:ext cx="2884656" cy="707886"/>
           </a:xfrm>
           <a:prstGeom prst="rect">
             <a:avLst/>
@@ -1274,14 +1274,22 @@
           <a:noFill/>
         </p:spPr>
         <p:txBody>
-          <a:bodyPr wrap="none" rtlCol="0">
+          <a:bodyPr wrap="square" rtlCol="0">
             <a:spAutoFit/>
           </a:bodyPr>
           <a:lstStyle/>
           <a:p>
             <a:r>
               <a:rPr kumimoji="1" lang="en-US" altLang="ja-JP" sz="4000" dirty="0"/>
-              <a:t>2023/02/16</a:t>
+              <a:t>2024/0</a:t>
+            </a:r>
+            <a:r>
+              <a:rPr lang="en-US" altLang="ja-JP" sz="4000" dirty="0"/>
+              <a:t>3</a:t>
+            </a:r>
+            <a:r>
+              <a:rPr kumimoji="1" lang="en-US" altLang="ja-JP" sz="4000" dirty="0"/>
+              <a:t>/07</a:t>
             </a:r>
             <a:endParaRPr kumimoji="1" lang="ja-JP" altLang="en-US" sz="4000" dirty="0"/>
           </a:p>
@@ -3348,7 +3356,7 @@
         <p:spPr>
           <a:xfrm>
             <a:off x="395536" y="3573016"/>
-            <a:ext cx="7992888" cy="936104"/>
+            <a:ext cx="8280920" cy="936104"/>
           </a:xfrm>
           <a:prstGeom prst="rect">
             <a:avLst/>
@@ -3396,7 +3404,7 @@
         <p:spPr>
           <a:xfrm>
             <a:off x="467544" y="4077072"/>
-            <a:ext cx="7776864" cy="369332"/>
+            <a:ext cx="8208912" cy="369332"/>
           </a:xfrm>
           <a:prstGeom prst="rect">
             <a:avLst/>
@@ -3557,7 +3565,7 @@
         <p:spPr>
           <a:xfrm>
             <a:off x="107504" y="3140968"/>
-            <a:ext cx="8784976" cy="936104"/>
+            <a:ext cx="8928992" cy="936104"/>
           </a:xfrm>
           <a:prstGeom prst="rect">
             <a:avLst/>
@@ -3741,8 +3749,8 @@
         </p:nvSpPr>
         <p:spPr>
           <a:xfrm>
-            <a:off x="107504" y="3284984"/>
-            <a:ext cx="8910736" cy="646331"/>
+            <a:off x="323528" y="3284984"/>
+            <a:ext cx="8712968" cy="584775"/>
           </a:xfrm>
           <a:prstGeom prst="rect">
             <a:avLst/>
@@ -3755,13 +3763,13 @@
           <a:lstStyle/>
           <a:p>
             <a:r>
-              <a:rPr lang="ja-JP" altLang="en-US" dirty="0"/>
+              <a:rPr lang="ja-JP" altLang="en-US" sz="1600" dirty="0"/>
               <a:t>本研究では、CarrasquillaとMelkoが提案した手法を拡張、一般化する。</a:t>
             </a:r>
           </a:p>
           <a:p>
             <a:r>
-              <a:rPr lang="ja-JP" altLang="en-US" dirty="0">
+              <a:rPr lang="ja-JP" altLang="en-US" sz="1600" dirty="0">
                 <a:solidFill>
                   <a:srgbClr val="FF0000"/>
                 </a:solidFill>
@@ -3769,7 +3777,7 @@
               <a:t>In this study, we</a:t>
             </a:r>
             <a:r>
-              <a:rPr lang="ja-JP" altLang="en-US" dirty="0"/>
+              <a:rPr lang="ja-JP" altLang="en-US" sz="1600" dirty="0"/>
               <a:t> extend and generalize the method proposed by Carrasquilla and Melko [2].</a:t>
             </a:r>
           </a:p>
@@ -4285,7 +4293,7 @@
         </p:nvSpPr>
         <p:spPr>
           <a:xfrm>
-            <a:off x="107504" y="1196752"/>
+            <a:off x="107504" y="908720"/>
             <a:ext cx="8856984" cy="1815882"/>
           </a:xfrm>
           <a:prstGeom prst="rect">
@@ -4343,39 +4351,61 @@
             </a:br>
             <a:r>
               <a:rPr lang="ja-JP" altLang="en-US" sz="2800" dirty="0"/>
-              <a:t>→文献管理ソフトウェア</a:t>
-            </a:r>
-            <a:r>
-              <a:rPr lang="en-US" altLang="ja-JP" sz="2800" dirty="0"/>
-              <a:t>(</a:t>
-            </a:r>
-            <a:r>
-              <a:rPr lang="ja-JP" altLang="en-US" sz="2800" dirty="0"/>
-              <a:t>例えば</a:t>
-            </a:r>
-            <a:r>
-              <a:rPr lang="en-US" altLang="ja-JP" sz="2800" dirty="0" err="1"/>
-              <a:t>Mendeley</a:t>
-            </a:r>
-            <a:r>
-              <a:rPr lang="ja-JP" altLang="en-US" sz="2800" dirty="0"/>
-              <a:t>等</a:t>
-            </a:r>
-            <a:r>
-              <a:rPr lang="en-US" altLang="ja-JP" sz="2800" dirty="0"/>
-              <a:t>)</a:t>
-            </a:r>
-            <a:r>
-              <a:rPr lang="ja-JP" altLang="en-US" sz="2800" dirty="0"/>
-              <a:t>を活用</a:t>
+              <a:t>→文献管理ソフトウェアを活用</a:t>
             </a:r>
             <a:endParaRPr kumimoji="1" lang="ja-JP" altLang="en-US" sz="2800" dirty="0"/>
+          </a:p>
+        </p:txBody>
+      </p:sp>
+      <p:sp>
+        <p:nvSpPr>
+          <p:cNvPr id="4" name="テキスト ボックス 3">
+            <a:extLst>
+              <a:ext uri="{FF2B5EF4-FFF2-40B4-BE49-F238E27FC236}">
+                <a16:creationId xmlns:a16="http://schemas.microsoft.com/office/drawing/2014/main" id="{30C315C0-6E9F-62CD-6E20-4445055D51A7}"/>
+              </a:ext>
+            </a:extLst>
+          </p:cNvPr>
+          <p:cNvSpPr txBox="1"/>
+          <p:nvPr/>
+        </p:nvSpPr>
+        <p:spPr>
+          <a:xfrm>
+            <a:off x="107504" y="2852936"/>
+            <a:ext cx="3847528" cy="461665"/>
+          </a:xfrm>
+          <a:prstGeom prst="rect">
+            <a:avLst/>
+          </a:prstGeom>
+          <a:noFill/>
+        </p:spPr>
+        <p:txBody>
+          <a:bodyPr wrap="none" rtlCol="0">
+            <a:spAutoFit/>
+          </a:bodyPr>
+          <a:lstStyle/>
+          <a:p>
+            <a:r>
+              <a:rPr kumimoji="1" lang="en-US" altLang="ja-JP" sz="2400" dirty="0"/>
+              <a:t>Google Scholar</a:t>
+            </a:r>
+            <a:r>
+              <a:rPr kumimoji="1" lang="ja-JP" altLang="en-US" sz="2400" dirty="0"/>
+              <a:t>の保存機能</a:t>
+            </a:r>
+            <a:endParaRPr kumimoji="1" lang="en-US" altLang="ja-JP" sz="2400" dirty="0"/>
           </a:p>
         </p:txBody>
       </p:sp>
       <p:pic>
         <p:nvPicPr>
-          <p:cNvPr id="5" name="図 4"/>
+          <p:cNvPr id="9" name="図 8">
+            <a:extLst>
+              <a:ext uri="{FF2B5EF4-FFF2-40B4-BE49-F238E27FC236}">
+                <a16:creationId xmlns:a16="http://schemas.microsoft.com/office/drawing/2014/main" id="{FE16836F-6FBD-A0DB-1F11-36B6569FDFC9}"/>
+              </a:ext>
+            </a:extLst>
+          </p:cNvPr>
           <p:cNvPicPr>
             <a:picLocks noChangeAspect="1"/>
           </p:cNvPicPr>
@@ -4389,8 +4419,8 @@
         </p:blipFill>
         <p:spPr>
           <a:xfrm>
-            <a:off x="1619672" y="3789040"/>
-            <a:ext cx="6263085" cy="2916337"/>
+            <a:off x="755576" y="3356992"/>
+            <a:ext cx="6444208" cy="1629840"/>
           </a:xfrm>
           <a:prstGeom prst="rect">
             <a:avLst/>
@@ -4399,14 +4429,154 @@
       </p:pic>
       <p:sp>
         <p:nvSpPr>
-          <p:cNvPr id="6" name="テキスト ボックス 5"/>
+          <p:cNvPr id="10" name="四角形: 角を丸くする 9">
+            <a:extLst>
+              <a:ext uri="{FF2B5EF4-FFF2-40B4-BE49-F238E27FC236}">
+                <a16:creationId xmlns:a16="http://schemas.microsoft.com/office/drawing/2014/main" id="{481771E3-25AB-7BEA-6161-367A221ED5A5}"/>
+              </a:ext>
+            </a:extLst>
+          </p:cNvPr>
+          <p:cNvSpPr/>
+          <p:nvPr/>
+        </p:nvSpPr>
+        <p:spPr>
+          <a:xfrm>
+            <a:off x="1763688" y="4293096"/>
+            <a:ext cx="360040" cy="216024"/>
+          </a:xfrm>
+          <a:prstGeom prst="roundRect">
+            <a:avLst/>
+          </a:prstGeom>
+          <a:noFill/>
+          <a:ln>
+            <a:solidFill>
+              <a:srgbClr val="FF0000"/>
+            </a:solidFill>
+          </a:ln>
+        </p:spPr>
+        <p:style>
+          <a:lnRef idx="2">
+            <a:schemeClr val="accent1">
+              <a:shade val="50000"/>
+            </a:schemeClr>
+          </a:lnRef>
+          <a:fillRef idx="1">
+            <a:schemeClr val="accent1"/>
+          </a:fillRef>
+          <a:effectRef idx="0">
+            <a:schemeClr val="accent1"/>
+          </a:effectRef>
+          <a:fontRef idx="minor">
+            <a:schemeClr val="lt1"/>
+          </a:fontRef>
+        </p:style>
+        <p:txBody>
+          <a:bodyPr rtlCol="0" anchor="ctr"/>
+          <a:lstStyle/>
+          <a:p>
+            <a:pPr algn="ctr"/>
+            <a:endParaRPr kumimoji="1" lang="ja-JP" altLang="en-US"/>
+          </a:p>
+        </p:txBody>
+      </p:sp>
+      <p:sp>
+        <p:nvSpPr>
+          <p:cNvPr id="11" name="四角形: 角を丸くする 10">
+            <a:extLst>
+              <a:ext uri="{FF2B5EF4-FFF2-40B4-BE49-F238E27FC236}">
+                <a16:creationId xmlns:a16="http://schemas.microsoft.com/office/drawing/2014/main" id="{B12DCA11-6D4B-3419-0756-26FCD41E5A73}"/>
+              </a:ext>
+            </a:extLst>
+          </p:cNvPr>
+          <p:cNvSpPr/>
+          <p:nvPr/>
+        </p:nvSpPr>
+        <p:spPr>
+          <a:xfrm>
+            <a:off x="6444208" y="3573016"/>
+            <a:ext cx="792088" cy="216024"/>
+          </a:xfrm>
+          <a:prstGeom prst="roundRect">
+            <a:avLst/>
+          </a:prstGeom>
+          <a:noFill/>
+          <a:ln>
+            <a:solidFill>
+              <a:srgbClr val="FF0000"/>
+            </a:solidFill>
+          </a:ln>
+        </p:spPr>
+        <p:style>
+          <a:lnRef idx="2">
+            <a:schemeClr val="accent1">
+              <a:shade val="50000"/>
+            </a:schemeClr>
+          </a:lnRef>
+          <a:fillRef idx="1">
+            <a:schemeClr val="accent1"/>
+          </a:fillRef>
+          <a:effectRef idx="0">
+            <a:schemeClr val="accent1"/>
+          </a:effectRef>
+          <a:fontRef idx="minor">
+            <a:schemeClr val="lt1"/>
+          </a:fontRef>
+        </p:style>
+        <p:txBody>
+          <a:bodyPr rtlCol="0" anchor="ctr"/>
+          <a:lstStyle/>
+          <a:p>
+            <a:pPr algn="ctr"/>
+            <a:endParaRPr kumimoji="1" lang="ja-JP" altLang="en-US"/>
+          </a:p>
+        </p:txBody>
+      </p:sp>
+      <p:pic>
+        <p:nvPicPr>
+          <p:cNvPr id="13" name="図 12">
+            <a:extLst>
+              <a:ext uri="{FF2B5EF4-FFF2-40B4-BE49-F238E27FC236}">
+                <a16:creationId xmlns:a16="http://schemas.microsoft.com/office/drawing/2014/main" id="{493DDE04-2E6D-936E-E6CB-D658F0AD49FE}"/>
+              </a:ext>
+            </a:extLst>
+          </p:cNvPr>
+          <p:cNvPicPr>
+            <a:picLocks noChangeAspect="1"/>
+          </p:cNvPicPr>
+          <p:nvPr/>
+        </p:nvPicPr>
+        <p:blipFill>
+          <a:blip r:embed="rId3"/>
+          <a:stretch>
+            <a:fillRect/>
+          </a:stretch>
+        </p:blipFill>
+        <p:spPr>
+          <a:xfrm>
+            <a:off x="251520" y="5733256"/>
+            <a:ext cx="8383170" cy="962159"/>
+          </a:xfrm>
+          <a:prstGeom prst="rect">
+            <a:avLst/>
+          </a:prstGeom>
+        </p:spPr>
+      </p:pic>
+      <p:sp>
+        <p:nvSpPr>
+          <p:cNvPr id="14" name="テキスト ボックス 13">
+            <a:extLst>
+              <a:ext uri="{FF2B5EF4-FFF2-40B4-BE49-F238E27FC236}">
+                <a16:creationId xmlns:a16="http://schemas.microsoft.com/office/drawing/2014/main" id="{62A7B530-CF41-474D-4F32-BE8C366D6001}"/>
+              </a:ext>
+            </a:extLst>
+          </p:cNvPr>
           <p:cNvSpPr txBox="1"/>
           <p:nvPr/>
         </p:nvSpPr>
         <p:spPr>
           <a:xfrm>
-            <a:off x="323528" y="3284984"/>
-            <a:ext cx="5069145" cy="461665"/>
+            <a:off x="179512" y="5229200"/>
+            <a:ext cx="4548040" cy="461665"/>
           </a:xfrm>
           <a:prstGeom prst="rect">
             <a:avLst/>
@@ -4420,49 +4590,26 @@
           <a:lstStyle/>
           <a:p>
             <a:r>
+              <a:rPr kumimoji="1" lang="en-US" altLang="ja-JP" sz="2400" dirty="0" err="1"/>
+              <a:t>Paperpile</a:t>
+            </a:r>
+            <a:r>
               <a:rPr lang="ja-JP" altLang="en-US" sz="2400" dirty="0"/>
-              <a:t>文献管理ソフトウェア「</a:t>
-            </a:r>
-            <a:r>
-              <a:rPr lang="en-US" altLang="ja-JP" sz="2400" dirty="0" err="1"/>
-              <a:t>Mendeley</a:t>
+              <a:t> </a:t>
+            </a:r>
+            <a:r>
+              <a:rPr lang="en-US" altLang="ja-JP" sz="2400" dirty="0"/>
+              <a:t>(</a:t>
             </a:r>
             <a:r>
               <a:rPr lang="ja-JP" altLang="en-US" sz="2400" dirty="0"/>
-              <a:t>」</a:t>
-            </a:r>
-            <a:endParaRPr kumimoji="1" lang="ja-JP" altLang="en-US" sz="2400" dirty="0"/>
-          </a:p>
-        </p:txBody>
-      </p:sp>
-      <p:sp>
-        <p:nvSpPr>
-          <p:cNvPr id="7" name="正方形/長方形 6"/>
-          <p:cNvSpPr/>
-          <p:nvPr/>
-        </p:nvSpPr>
-        <p:spPr>
-          <a:xfrm>
-            <a:off x="5220072" y="3356992"/>
-            <a:ext cx="2768194" cy="369332"/>
-          </a:xfrm>
-          <a:prstGeom prst="rect">
-            <a:avLst/>
-          </a:prstGeom>
-        </p:spPr>
-        <p:txBody>
-          <a:bodyPr wrap="none">
-            <a:spAutoFit/>
-          </a:bodyPr>
-          <a:lstStyle/>
-          <a:p>
-            <a:r>
-              <a:rPr lang="en-US" altLang="ja-JP" dirty="0">
-                <a:hlinkClick r:id="rId3"/>
-              </a:rPr>
-              <a:t>https://www.mendeley.com/</a:t>
-            </a:r>
-            <a:endParaRPr lang="ja-JP" altLang="en-US" dirty="0"/>
+              <a:t>有料：無料期間あり</a:t>
+            </a:r>
+            <a:r>
+              <a:rPr lang="en-US" altLang="ja-JP" sz="2400"/>
+              <a:t>)</a:t>
+            </a:r>
+            <a:endParaRPr kumimoji="1" lang="en-US" altLang="ja-JP" sz="2400" dirty="0"/>
           </a:p>
         </p:txBody>
       </p:sp>

--- a/howtoreview/howtosurvey.pptx
+++ b/howtoreview/howtosurvey.pptx
@@ -223,7 +223,7 @@
           </a:lstStyle>
           <a:p>
             <a:fld id="{6B8D1B20-A248-FB47-8240-73C0C5F47C9D}" type="datetimeFigureOut">
-              <a:t>2024/3/7</a:t>
+              <a:t>2026/2/19</a:t>
             </a:fld>
             <a:endParaRPr kumimoji="1" lang="ja-JP" altLang="en-US"/>
           </a:p>
@@ -1281,15 +1281,15 @@
           <a:p>
             <a:r>
               <a:rPr kumimoji="1" lang="en-US" altLang="ja-JP" sz="4000" dirty="0"/>
-              <a:t>2024/0</a:t>
+              <a:t>2025/0</a:t>
             </a:r>
             <a:r>
               <a:rPr lang="en-US" altLang="ja-JP" sz="4000" dirty="0"/>
-              <a:t>3</a:t>
+              <a:t>2</a:t>
             </a:r>
             <a:r>
               <a:rPr kumimoji="1" lang="en-US" altLang="ja-JP" sz="4000" dirty="0"/>
-              <a:t>/07</a:t>
+              <a:t>/19</a:t>
             </a:r>
             <a:endParaRPr kumimoji="1" lang="ja-JP" altLang="en-US" sz="4000" dirty="0"/>
           </a:p>
